--- a/assets/ZooKill Soccer Game Design Document.pptx
+++ b/assets/ZooKill Soccer Game Design Document.pptx
@@ -317,7 +317,7 @@
           <a:p>
             <a:fld id="{14C9F191-5DFD-4C62-B838-AC695C885212}" type="datetimeFigureOut">
               <a:rPr lang="en-US" smtClean="0"/>
-              <a:t>5/17/16</a:t>
+              <a:t>5/24/16</a:t>
             </a:fld>
             <a:endParaRPr lang="en-US"/>
           </a:p>
@@ -487,7 +487,7 @@
           <a:p>
             <a:fld id="{14C9F191-5DFD-4C62-B838-AC695C885212}" type="datetimeFigureOut">
               <a:rPr lang="en-US" smtClean="0"/>
-              <a:t>5/17/16</a:t>
+              <a:t>5/24/16</a:t>
             </a:fld>
             <a:endParaRPr lang="en-US"/>
           </a:p>
@@ -667,7 +667,7 @@
           <a:p>
             <a:fld id="{14C9F191-5DFD-4C62-B838-AC695C885212}" type="datetimeFigureOut">
               <a:rPr lang="en-US" smtClean="0"/>
-              <a:t>5/17/16</a:t>
+              <a:t>5/24/16</a:t>
             </a:fld>
             <a:endParaRPr lang="en-US"/>
           </a:p>
@@ -837,7 +837,7 @@
           <a:p>
             <a:fld id="{14C9F191-5DFD-4C62-B838-AC695C885212}" type="datetimeFigureOut">
               <a:rPr lang="en-US" smtClean="0"/>
-              <a:t>5/17/16</a:t>
+              <a:t>5/24/16</a:t>
             </a:fld>
             <a:endParaRPr lang="en-US"/>
           </a:p>
@@ -1083,7 +1083,7 @@
           <a:p>
             <a:fld id="{14C9F191-5DFD-4C62-B838-AC695C885212}" type="datetimeFigureOut">
               <a:rPr lang="en-US" smtClean="0"/>
-              <a:t>5/17/16</a:t>
+              <a:t>5/24/16</a:t>
             </a:fld>
             <a:endParaRPr lang="en-US"/>
           </a:p>
@@ -1371,7 +1371,7 @@
           <a:p>
             <a:fld id="{14C9F191-5DFD-4C62-B838-AC695C885212}" type="datetimeFigureOut">
               <a:rPr lang="en-US" smtClean="0"/>
-              <a:t>5/17/16</a:t>
+              <a:t>5/24/16</a:t>
             </a:fld>
             <a:endParaRPr lang="en-US"/>
           </a:p>
@@ -1793,7 +1793,7 @@
           <a:p>
             <a:fld id="{14C9F191-5DFD-4C62-B838-AC695C885212}" type="datetimeFigureOut">
               <a:rPr lang="en-US" smtClean="0"/>
-              <a:t>5/17/16</a:t>
+              <a:t>5/24/16</a:t>
             </a:fld>
             <a:endParaRPr lang="en-US"/>
           </a:p>
@@ -1911,7 +1911,7 @@
           <a:p>
             <a:fld id="{14C9F191-5DFD-4C62-B838-AC695C885212}" type="datetimeFigureOut">
               <a:rPr lang="en-US" smtClean="0"/>
-              <a:t>5/17/16</a:t>
+              <a:t>5/24/16</a:t>
             </a:fld>
             <a:endParaRPr lang="en-US"/>
           </a:p>
@@ -2006,7 +2006,7 @@
           <a:p>
             <a:fld id="{14C9F191-5DFD-4C62-B838-AC695C885212}" type="datetimeFigureOut">
               <a:rPr lang="en-US" smtClean="0"/>
-              <a:t>5/17/16</a:t>
+              <a:t>5/24/16</a:t>
             </a:fld>
             <a:endParaRPr lang="en-US"/>
           </a:p>
@@ -2283,7 +2283,7 @@
           <a:p>
             <a:fld id="{14C9F191-5DFD-4C62-B838-AC695C885212}" type="datetimeFigureOut">
               <a:rPr lang="en-US" smtClean="0"/>
-              <a:t>5/17/16</a:t>
+              <a:t>5/24/16</a:t>
             </a:fld>
             <a:endParaRPr lang="en-US"/>
           </a:p>
@@ -2536,7 +2536,7 @@
           <a:p>
             <a:fld id="{14C9F191-5DFD-4C62-B838-AC695C885212}" type="datetimeFigureOut">
               <a:rPr lang="en-US" smtClean="0"/>
-              <a:t>5/17/16</a:t>
+              <a:t>5/24/16</a:t>
             </a:fld>
             <a:endParaRPr lang="en-US"/>
           </a:p>
@@ -2749,7 +2749,7 @@
           <a:p>
             <a:fld id="{14C9F191-5DFD-4C62-B838-AC695C885212}" type="datetimeFigureOut">
               <a:rPr lang="en-US" smtClean="0"/>
-              <a:t>5/17/16</a:t>
+              <a:t>5/24/16</a:t>
             </a:fld>
             <a:endParaRPr lang="en-US"/>
           </a:p>
@@ -3174,11 +3174,7 @@
           <a:p>
             <a:r>
               <a:rPr lang="en-US" dirty="0" smtClean="0"/>
-              <a:t>Created by: </a:t>
-            </a:r>
-            <a:r>
-              <a:rPr lang="en-US" dirty="0" smtClean="0"/>
-              <a:t>Slam </a:t>
+              <a:t>Created by: Slam </a:t>
             </a:r>
             <a:r>
               <a:rPr lang="en-US" dirty="0" err="1" smtClean="0"/>
@@ -3249,7 +3245,7 @@
         </p:nvSpPr>
         <p:spPr>
           <a:xfrm>
-            <a:off x="4191000" y="1600200"/>
+            <a:off x="4191000" y="2819400"/>
             <a:ext cx="819793" cy="369332"/>
           </a:xfrm>
           <a:prstGeom prst="rect">
@@ -3284,7 +3280,7 @@
         </p:nvSpPr>
         <p:spPr>
           <a:xfrm>
-            <a:off x="838200" y="3657600"/>
+            <a:off x="762000" y="4191000"/>
             <a:ext cx="2002020" cy="369332"/>
           </a:xfrm>
           <a:prstGeom prst="rect">
@@ -3323,7 +3319,7 @@
         </p:nvSpPr>
         <p:spPr>
           <a:xfrm>
-            <a:off x="3581400" y="3657600"/>
+            <a:off x="3505200" y="4572000"/>
             <a:ext cx="2105715" cy="369332"/>
           </a:xfrm>
           <a:prstGeom prst="rect">
@@ -3362,7 +3358,7 @@
         </p:nvSpPr>
         <p:spPr>
           <a:xfrm>
-            <a:off x="6248400" y="3657600"/>
+            <a:off x="6248400" y="4114800"/>
             <a:ext cx="1905540" cy="369332"/>
           </a:xfrm>
           <a:prstGeom prst="rect">
@@ -3404,8 +3400,8 @@
         </p:nvCxnSpPr>
         <p:spPr>
           <a:xfrm flipH="1">
-            <a:off x="2840220" y="1969532"/>
-            <a:ext cx="1760677" cy="1872734"/>
+            <a:off x="2764020" y="3188732"/>
+            <a:ext cx="1836877" cy="1186934"/>
           </a:xfrm>
           <a:prstGeom prst="straightConnector1">
             <a:avLst/>
@@ -3433,15 +3429,15 @@
         <p:nvCxnSpPr>
           <p:cNvPr id="11" name="Straight Arrow Connector 10"/>
           <p:cNvCxnSpPr>
-            <a:stCxn id="4" idx="2"/>
-            <a:endCxn id="6" idx="0"/>
+            <a:stCxn id="14" idx="2"/>
+            <a:endCxn id="4" idx="0"/>
           </p:cNvCxnSpPr>
           <p:nvPr/>
         </p:nvCxnSpPr>
         <p:spPr>
           <a:xfrm>
-            <a:off x="4600897" y="1969532"/>
-            <a:ext cx="33361" cy="1688068"/>
+            <a:off x="4506021" y="1664732"/>
+            <a:ext cx="94876" cy="1154668"/>
           </a:xfrm>
           <a:prstGeom prst="straightConnector1">
             <a:avLst/>
@@ -3476,8 +3472,79 @@
         </p:nvCxnSpPr>
         <p:spPr>
           <a:xfrm>
-            <a:off x="4600897" y="1969532"/>
-            <a:ext cx="1647503" cy="1872734"/>
+            <a:off x="4600897" y="3188732"/>
+            <a:ext cx="1647503" cy="1110734"/>
+          </a:xfrm>
+          <a:prstGeom prst="straightConnector1">
+            <a:avLst/>
+          </a:prstGeom>
+          <a:ln>
+            <a:tailEnd type="arrow"/>
+          </a:ln>
+        </p:spPr>
+        <p:style>
+          <a:lnRef idx="2">
+            <a:schemeClr val="accent1"/>
+          </a:lnRef>
+          <a:fillRef idx="0">
+            <a:schemeClr val="accent1"/>
+          </a:fillRef>
+          <a:effectRef idx="1">
+            <a:schemeClr val="accent1"/>
+          </a:effectRef>
+          <a:fontRef idx="minor">
+            <a:schemeClr val="tx1"/>
+          </a:fontRef>
+        </p:style>
+      </p:cxnSp>
+      <p:sp>
+        <p:nvSpPr>
+          <p:cNvPr id="14" name="TextBox 13"/>
+          <p:cNvSpPr txBox="1"/>
+          <p:nvPr/>
+        </p:nvSpPr>
+        <p:spPr>
+          <a:xfrm>
+            <a:off x="3886200" y="1295400"/>
+            <a:ext cx="1239642" cy="369332"/>
+          </a:xfrm>
+          <a:prstGeom prst="rect">
+            <a:avLst/>
+          </a:prstGeom>
+          <a:noFill/>
+          <a:ln>
+            <a:solidFill>
+              <a:schemeClr val="tx1"/>
+            </a:solidFill>
+          </a:ln>
+        </p:spPr>
+        <p:txBody>
+          <a:bodyPr wrap="none" rtlCol="0">
+            <a:spAutoFit/>
+          </a:bodyPr>
+          <a:lstStyle/>
+          <a:p>
+            <a:r>
+              <a:rPr lang="en-US" dirty="0" err="1" smtClean="0"/>
+              <a:t>GamePiece</a:t>
+            </a:r>
+            <a:endParaRPr lang="en-US" dirty="0"/>
+          </a:p>
+        </p:txBody>
+      </p:sp>
+      <p:cxnSp>
+        <p:nvCxnSpPr>
+          <p:cNvPr id="15" name="Straight Arrow Connector 14"/>
+          <p:cNvCxnSpPr>
+            <a:stCxn id="4" idx="2"/>
+            <a:endCxn id="6" idx="0"/>
+          </p:cNvCxnSpPr>
+          <p:nvPr/>
+        </p:nvCxnSpPr>
+        <p:spPr>
+          <a:xfrm flipH="1">
+            <a:off x="4558058" y="3188732"/>
+            <a:ext cx="42839" cy="1383268"/>
           </a:xfrm>
           <a:prstGeom prst="straightConnector1">
             <a:avLst/>
@@ -3564,7 +3631,7 @@
         </p:nvSpPr>
         <p:spPr>
           <a:xfrm>
-            <a:off x="4038600" y="1905000"/>
+            <a:off x="4038600" y="2133600"/>
             <a:ext cx="556275" cy="369332"/>
           </a:xfrm>
           <a:prstGeom prst="rect">
@@ -3672,8 +3739,8 @@
         </p:nvCxnSpPr>
         <p:spPr>
           <a:xfrm>
-            <a:off x="4316738" y="2274332"/>
-            <a:ext cx="19380" cy="545068"/>
+            <a:off x="4316738" y="2502932"/>
+            <a:ext cx="19380" cy="316468"/>
           </a:xfrm>
           <a:prstGeom prst="straightConnector1">
             <a:avLst/>
@@ -3813,7 +3880,7 @@
         <p:spPr>
           <a:xfrm>
             <a:off x="3733800" y="5486400"/>
-            <a:ext cx="1448947" cy="369332"/>
+            <a:ext cx="910638" cy="369332"/>
           </a:xfrm>
           <a:prstGeom prst="rect">
             <a:avLst/>
@@ -3833,7 +3900,7 @@
           <a:p>
             <a:r>
               <a:rPr lang="en-US" dirty="0" smtClean="0"/>
-              <a:t>Logo/Identity</a:t>
+              <a:t>Identity</a:t>
             </a:r>
             <a:endParaRPr lang="en-US" dirty="0"/>
           </a:p>
@@ -3921,8 +3988,8 @@
         </p:nvCxnSpPr>
         <p:spPr>
           <a:xfrm flipH="1">
-            <a:off x="5182747" y="4026932"/>
-            <a:ext cx="122476" cy="1644134"/>
+            <a:off x="4644438" y="4026932"/>
+            <a:ext cx="660785" cy="1644134"/>
           </a:xfrm>
           <a:prstGeom prst="straightConnector1">
             <a:avLst/>
@@ -3994,6 +4061,77 @@
           <a:xfrm>
             <a:off x="3394404" y="4026932"/>
             <a:ext cx="6292" cy="468868"/>
+          </a:xfrm>
+          <a:prstGeom prst="straightConnector1">
+            <a:avLst/>
+          </a:prstGeom>
+          <a:ln>
+            <a:tailEnd type="arrow"/>
+          </a:ln>
+        </p:spPr>
+        <p:style>
+          <a:lnRef idx="2">
+            <a:schemeClr val="accent1"/>
+          </a:lnRef>
+          <a:fillRef idx="0">
+            <a:schemeClr val="accent1"/>
+          </a:fillRef>
+          <a:effectRef idx="1">
+            <a:schemeClr val="accent1"/>
+          </a:effectRef>
+          <a:fontRef idx="minor">
+            <a:schemeClr val="tx1"/>
+          </a:fontRef>
+        </p:style>
+      </p:cxnSp>
+      <p:sp>
+        <p:nvSpPr>
+          <p:cNvPr id="16" name="TextBox 15"/>
+          <p:cNvSpPr txBox="1"/>
+          <p:nvPr/>
+        </p:nvSpPr>
+        <p:spPr>
+          <a:xfrm>
+            <a:off x="3657600" y="1295400"/>
+            <a:ext cx="1239642" cy="369332"/>
+          </a:xfrm>
+          <a:prstGeom prst="rect">
+            <a:avLst/>
+          </a:prstGeom>
+          <a:noFill/>
+          <a:ln>
+            <a:solidFill>
+              <a:schemeClr val="tx1"/>
+            </a:solidFill>
+          </a:ln>
+        </p:spPr>
+        <p:txBody>
+          <a:bodyPr wrap="none" rtlCol="0">
+            <a:spAutoFit/>
+          </a:bodyPr>
+          <a:lstStyle/>
+          <a:p>
+            <a:r>
+              <a:rPr lang="en-US" dirty="0" err="1" smtClean="0"/>
+              <a:t>GamePiece</a:t>
+            </a:r>
+            <a:endParaRPr lang="en-US" dirty="0"/>
+          </a:p>
+        </p:txBody>
+      </p:sp>
+      <p:cxnSp>
+        <p:nvCxnSpPr>
+          <p:cNvPr id="8" name="Straight Arrow Connector 7"/>
+          <p:cNvCxnSpPr>
+            <a:stCxn id="16" idx="2"/>
+            <a:endCxn id="4" idx="0"/>
+          </p:cNvCxnSpPr>
+          <p:nvPr/>
+        </p:nvCxnSpPr>
+        <p:spPr>
+          <a:xfrm>
+            <a:off x="4277421" y="1664732"/>
+            <a:ext cx="39317" cy="468868"/>
           </a:xfrm>
           <a:prstGeom prst="straightConnector1">
             <a:avLst/>
@@ -4083,7 +4221,7 @@
         </p:nvSpPr>
         <p:spPr>
           <a:xfrm>
-            <a:off x="2667000" y="1447800"/>
+            <a:off x="2667000" y="1981200"/>
             <a:ext cx="1100895" cy="369332"/>
           </a:xfrm>
           <a:prstGeom prst="rect">
@@ -4261,8 +4399,8 @@
         </p:nvCxnSpPr>
         <p:spPr>
           <a:xfrm>
-            <a:off x="3217448" y="1817132"/>
-            <a:ext cx="1735552" cy="1644134"/>
+            <a:off x="3217448" y="2350532"/>
+            <a:ext cx="1735552" cy="1110734"/>
           </a:xfrm>
           <a:prstGeom prst="straightConnector1">
             <a:avLst/>
@@ -4297,8 +4435,8 @@
         </p:nvCxnSpPr>
         <p:spPr>
           <a:xfrm>
-            <a:off x="3217448" y="1817132"/>
-            <a:ext cx="403162" cy="1459468"/>
+            <a:off x="3217448" y="2350532"/>
+            <a:ext cx="403162" cy="926068"/>
           </a:xfrm>
           <a:prstGeom prst="straightConnector1">
             <a:avLst/>
@@ -4333,8 +4471,8 @@
         </p:nvCxnSpPr>
         <p:spPr>
           <a:xfrm flipH="1">
-            <a:off x="2364835" y="1817132"/>
-            <a:ext cx="852613" cy="1459468"/>
+            <a:off x="2364835" y="2350532"/>
+            <a:ext cx="852613" cy="926068"/>
           </a:xfrm>
           <a:prstGeom prst="straightConnector1">
             <a:avLst/>
@@ -4369,8 +4507,8 @@
         </p:nvCxnSpPr>
         <p:spPr>
           <a:xfrm flipH="1">
-            <a:off x="1261777" y="1817132"/>
-            <a:ext cx="1955671" cy="1644134"/>
+            <a:off x="1261777" y="2350532"/>
+            <a:ext cx="1955671" cy="1110734"/>
           </a:xfrm>
           <a:prstGeom prst="straightConnector1">
             <a:avLst/>
@@ -4655,6 +4793,77 @@
           <a:xfrm>
             <a:off x="3620610" y="3645932"/>
             <a:ext cx="1199983" cy="697468"/>
+          </a:xfrm>
+          <a:prstGeom prst="straightConnector1">
+            <a:avLst/>
+          </a:prstGeom>
+          <a:ln>
+            <a:tailEnd type="arrow"/>
+          </a:ln>
+        </p:spPr>
+        <p:style>
+          <a:lnRef idx="2">
+            <a:schemeClr val="accent1"/>
+          </a:lnRef>
+          <a:fillRef idx="0">
+            <a:schemeClr val="accent1"/>
+          </a:fillRef>
+          <a:effectRef idx="1">
+            <a:schemeClr val="accent1"/>
+          </a:effectRef>
+          <a:fontRef idx="minor">
+            <a:schemeClr val="tx1"/>
+          </a:fontRef>
+        </p:style>
+      </p:cxnSp>
+      <p:sp>
+        <p:nvSpPr>
+          <p:cNvPr id="26" name="TextBox 25"/>
+          <p:cNvSpPr txBox="1"/>
+          <p:nvPr/>
+        </p:nvSpPr>
+        <p:spPr>
+          <a:xfrm>
+            <a:off x="2590800" y="1219200"/>
+            <a:ext cx="1239642" cy="369332"/>
+          </a:xfrm>
+          <a:prstGeom prst="rect">
+            <a:avLst/>
+          </a:prstGeom>
+          <a:noFill/>
+          <a:ln>
+            <a:solidFill>
+              <a:schemeClr val="tx1"/>
+            </a:solidFill>
+          </a:ln>
+        </p:spPr>
+        <p:txBody>
+          <a:bodyPr wrap="none" rtlCol="0">
+            <a:spAutoFit/>
+          </a:bodyPr>
+          <a:lstStyle/>
+          <a:p>
+            <a:r>
+              <a:rPr lang="en-US" dirty="0" err="1" smtClean="0"/>
+              <a:t>GamePiece</a:t>
+            </a:r>
+            <a:endParaRPr lang="en-US" dirty="0"/>
+          </a:p>
+        </p:txBody>
+      </p:sp>
+      <p:cxnSp>
+        <p:nvCxnSpPr>
+          <p:cNvPr id="15" name="Straight Arrow Connector 14"/>
+          <p:cNvCxnSpPr>
+            <a:stCxn id="26" idx="2"/>
+            <a:endCxn id="5" idx="0"/>
+          </p:cNvCxnSpPr>
+          <p:nvPr/>
+        </p:nvCxnSpPr>
+        <p:spPr>
+          <a:xfrm>
+            <a:off x="3210621" y="1588532"/>
+            <a:ext cx="6827" cy="392668"/>
           </a:xfrm>
           <a:prstGeom prst="straightConnector1">
             <a:avLst/>
@@ -4810,7 +5019,7 @@
         <p:spPr>
           <a:xfrm>
             <a:off x="2819400" y="3886200"/>
-            <a:ext cx="1332065" cy="369332"/>
+            <a:ext cx="1279880" cy="369332"/>
           </a:xfrm>
           <a:prstGeom prst="rect">
             <a:avLst/>
@@ -4829,8 +5038,8 @@
           <a:lstStyle/>
           <a:p>
             <a:r>
-              <a:rPr lang="en-US" dirty="0" smtClean="0"/>
-              <a:t>Animal Area</a:t>
+              <a:rPr lang="en-US" dirty="0" err="1" smtClean="0"/>
+              <a:t>AnimalArea</a:t>
             </a:r>
             <a:endParaRPr lang="en-US" dirty="0"/>
           </a:p>
@@ -4845,7 +5054,7 @@
         <p:spPr>
           <a:xfrm>
             <a:off x="4800600" y="3886200"/>
-            <a:ext cx="1258916" cy="369332"/>
+            <a:ext cx="1206731" cy="369332"/>
           </a:xfrm>
           <a:prstGeom prst="rect">
             <a:avLst/>
@@ -4864,8 +5073,8 @@
           <a:lstStyle/>
           <a:p>
             <a:r>
-              <a:rPr lang="en-US" dirty="0" smtClean="0"/>
-              <a:t>Player Area</a:t>
+              <a:rPr lang="en-US" dirty="0" err="1" smtClean="0"/>
+              <a:t>PlayerArea</a:t>
             </a:r>
             <a:endParaRPr lang="en-US" dirty="0"/>
           </a:p>
@@ -4918,8 +5127,8 @@
         </p:nvCxnSpPr>
         <p:spPr>
           <a:xfrm flipH="1">
-            <a:off x="3485433" y="2426732"/>
-            <a:ext cx="179431" cy="1459468"/>
+            <a:off x="3459340" y="2426732"/>
+            <a:ext cx="205524" cy="1459468"/>
           </a:xfrm>
           <a:prstGeom prst="straightConnector1">
             <a:avLst/>
@@ -4955,7 +5164,78 @@
         <p:spPr>
           <a:xfrm>
             <a:off x="3664864" y="2426732"/>
-            <a:ext cx="1765194" cy="1459468"/>
+            <a:ext cx="1739102" cy="1459468"/>
+          </a:xfrm>
+          <a:prstGeom prst="straightConnector1">
+            <a:avLst/>
+          </a:prstGeom>
+          <a:ln>
+            <a:tailEnd type="arrow"/>
+          </a:ln>
+        </p:spPr>
+        <p:style>
+          <a:lnRef idx="2">
+            <a:schemeClr val="accent1"/>
+          </a:lnRef>
+          <a:fillRef idx="0">
+            <a:schemeClr val="accent1"/>
+          </a:fillRef>
+          <a:effectRef idx="1">
+            <a:schemeClr val="accent1"/>
+          </a:effectRef>
+          <a:fontRef idx="minor">
+            <a:schemeClr val="tx1"/>
+          </a:fontRef>
+        </p:style>
+      </p:cxnSp>
+      <p:sp>
+        <p:nvSpPr>
+          <p:cNvPr id="10" name="TextBox 9"/>
+          <p:cNvSpPr txBox="1"/>
+          <p:nvPr/>
+        </p:nvSpPr>
+        <p:spPr>
+          <a:xfrm>
+            <a:off x="3048000" y="1295400"/>
+            <a:ext cx="1239642" cy="369332"/>
+          </a:xfrm>
+          <a:prstGeom prst="rect">
+            <a:avLst/>
+          </a:prstGeom>
+          <a:noFill/>
+          <a:ln>
+            <a:solidFill>
+              <a:schemeClr val="tx1"/>
+            </a:solidFill>
+          </a:ln>
+        </p:spPr>
+        <p:txBody>
+          <a:bodyPr wrap="none" rtlCol="0">
+            <a:spAutoFit/>
+          </a:bodyPr>
+          <a:lstStyle/>
+          <a:p>
+            <a:r>
+              <a:rPr lang="en-US" dirty="0" err="1" smtClean="0"/>
+              <a:t>GamePiece</a:t>
+            </a:r>
+            <a:endParaRPr lang="en-US" dirty="0"/>
+          </a:p>
+        </p:txBody>
+      </p:sp>
+      <p:cxnSp>
+        <p:nvCxnSpPr>
+          <p:cNvPr id="8" name="Straight Arrow Connector 7"/>
+          <p:cNvCxnSpPr>
+            <a:stCxn id="10" idx="2"/>
+            <a:endCxn id="4" idx="0"/>
+          </p:cNvCxnSpPr>
+          <p:nvPr/>
+        </p:nvCxnSpPr>
+        <p:spPr>
+          <a:xfrm flipH="1">
+            <a:off x="3664864" y="1664732"/>
+            <a:ext cx="2957" cy="392668"/>
           </a:xfrm>
           <a:prstGeom prst="straightConnector1">
             <a:avLst/>
@@ -8576,11 +8856,7 @@
           <a:p>
             <a:r>
               <a:rPr lang="en-US" dirty="0" smtClean="0"/>
-              <a:t>If you successfully kick Trump into the path of an escaping Zoo Animal, it will “do what it will” to Trump and return to its </a:t>
-            </a:r>
-            <a:r>
-              <a:rPr lang="en-US" dirty="0" smtClean="0"/>
-              <a:t>cage</a:t>
+              <a:t>If you successfully kick Trump into the path of an escaping Zoo Animal, it will “do what it will” to Trump and return to its cage</a:t>
             </a:r>
           </a:p>
           <a:p>
@@ -8588,24 +8864,11 @@
               <a:rPr lang="en-US" dirty="0" smtClean="0"/>
               <a:t>If you kick all 4 animals back with your Trump(s) you WIN</a:t>
             </a:r>
-            <a:endParaRPr lang="en-US" dirty="0" smtClean="0"/>
           </a:p>
           <a:p>
             <a:r>
               <a:rPr lang="en-US" dirty="0" smtClean="0"/>
-              <a:t>Otherwise, the Zoo Animal will come after </a:t>
-            </a:r>
-            <a:r>
-              <a:rPr lang="en-US" dirty="0" smtClean="0"/>
-              <a:t>YOU…if all 4 animals </a:t>
-            </a:r>
-            <a:r>
-              <a:rPr lang="en-US" dirty="0" smtClean="0"/>
-              <a:t>get past your Trump(s), </a:t>
-            </a:r>
-            <a:r>
-              <a:rPr lang="en-US" dirty="0" smtClean="0"/>
-              <a:t>LOSE</a:t>
+              <a:t>Otherwise, the Zoo Animal will come after YOU…if all 4 animals get past your Trump(s), LOSE</a:t>
             </a:r>
             <a:endParaRPr lang="en-US" dirty="0"/>
           </a:p>
@@ -13135,11 +13398,7 @@
           <a:p>
             <a:r>
               <a:rPr lang="en-US" dirty="0" smtClean="0"/>
-              <a:t>An animal who makes it past Trump will attack </a:t>
-            </a:r>
-            <a:r>
-              <a:rPr lang="en-US" dirty="0" smtClean="0"/>
-              <a:t>YOU</a:t>
+              <a:t>An animal who makes it past Trump will attack YOU</a:t>
             </a:r>
           </a:p>
         </p:txBody>
@@ -13379,11 +13638,7 @@
           <a:p>
             <a:r>
               <a:rPr lang="en-US" dirty="0" smtClean="0"/>
-              <a:t>Game Design Document - </a:t>
-            </a:r>
-            <a:r>
-              <a:rPr lang="en-US" dirty="0" smtClean="0"/>
-              <a:t>4</a:t>
+              <a:t>Game Design Document - 4</a:t>
             </a:r>
             <a:endParaRPr lang="en-US" dirty="0"/>
           </a:p>
@@ -13420,11 +13675,7 @@
             </a:r>
             <a:r>
               <a:rPr lang="en-US" dirty="0" smtClean="0"/>
-              <a:t>if Trump becomes non-</a:t>
-            </a:r>
-            <a:r>
-              <a:rPr lang="en-US" dirty="0" smtClean="0"/>
-              <a:t>functional, in which case an Animal gets into the Player zone.</a:t>
+              <a:t>if Trump becomes non-functional, in which case an Animal gets into the Player zone.</a:t>
             </a:r>
             <a:endParaRPr lang="en-US" dirty="0"/>
           </a:p>
@@ -13565,11 +13816,7 @@
           <a:p>
             <a:r>
               <a:rPr lang="en-US" dirty="0" smtClean="0"/>
-              <a:t>The </a:t>
-            </a:r>
-            <a:r>
-              <a:rPr lang="en-US" dirty="0" smtClean="0"/>
-              <a:t>Characters – All Screens</a:t>
+              <a:t>The Characters – All Screens</a:t>
             </a:r>
             <a:endParaRPr lang="en-US" dirty="0"/>
           </a:p>
@@ -13598,17 +13845,8 @@
             </a:r>
             <a:r>
               <a:rPr lang="en-US" dirty="0" smtClean="0"/>
-              <a:t> </a:t>
-            </a:r>
-            <a:r>
-              <a:rPr lang="en-US" dirty="0" smtClean="0"/>
-              <a:t>(your foot, since your kicking Trump like he was a soccer </a:t>
-            </a:r>
-            <a:r>
-              <a:rPr lang="en-US" dirty="0" smtClean="0"/>
-              <a:t>ball). Possibly “skinned” with different images (e.g. Bernie Sanders)</a:t>
-            </a:r>
-            <a:endParaRPr lang="en-US" dirty="0" smtClean="0"/>
+              <a:t> (your foot, since your kicking Trump like he was a soccer ball). Possibly “skinned” with different images (e.g. Bernie Sanders)</a:t>
+            </a:r>
           </a:p>
           <a:p>
             <a:r>
@@ -13617,13 +13855,8 @@
             </a:r>
             <a:r>
               <a:rPr lang="en-US" dirty="0" smtClean="0"/>
-              <a:t>(4 of them, in cages at the top of the </a:t>
-            </a:r>
-            <a:r>
-              <a:rPr lang="en-US" dirty="0" smtClean="0"/>
-              <a:t>screen, Lions, Tigers, Bears, Gorilla)</a:t>
-            </a:r>
-            <a:endParaRPr lang="en-US" dirty="0" smtClean="0"/>
+              <a:t>(4 of them, in cages at the top of the screen, Lions, Tigers, Bears, Gorilla)</a:t>
+            </a:r>
           </a:p>
           <a:p>
             <a:r>
@@ -13632,15 +13865,7 @@
             </a:r>
             <a:r>
               <a:rPr lang="en-US" dirty="0" smtClean="0"/>
-              <a:t> </a:t>
-            </a:r>
-            <a:r>
-              <a:rPr lang="en-US" dirty="0" smtClean="0"/>
-              <a:t>(next to your foot at the start so you can kick him but possibly could exit the screen if you don’t keep kicking him into the upper region of the </a:t>
-            </a:r>
-            <a:r>
-              <a:rPr lang="en-US" dirty="0" smtClean="0"/>
-              <a:t>screen</a:t>
+              <a:t> (next to your foot at the start so you can kick him but possibly could exit the screen if you don’t keep kicking him into the upper region of the screen</a:t>
             </a:r>
           </a:p>
           <a:p>
